--- a/tutorial_slides.pptx
+++ b/tutorial_slides.pptx
@@ -5,12 +5,18 @@
     <p:sldMasterId id="2147483648" r:id="rId1"/>
   </p:sldMasterIdLst>
   <p:notesMasterIdLst>
-    <p:notesMasterId r:id="rId5"/>
+    <p:notesMasterId r:id="rId11"/>
   </p:notesMasterIdLst>
   <p:sldIdLst>
     <p:sldId id="256" r:id="rId2"/>
     <p:sldId id="257" r:id="rId3"/>
     <p:sldId id="259" r:id="rId4"/>
+    <p:sldId id="260" r:id="rId5"/>
+    <p:sldId id="262" r:id="rId6"/>
+    <p:sldId id="263" r:id="rId7"/>
+    <p:sldId id="261" r:id="rId8"/>
+    <p:sldId id="264" r:id="rId9"/>
+    <p:sldId id="265" r:id="rId10"/>
   </p:sldIdLst>
   <p:sldSz cx="12192000" cy="6858000"/>
   <p:notesSz cx="6858000" cy="9144000"/>
@@ -620,6 +626,90 @@
     <p:extLst>
       <p:ext uri="{BB962C8B-B14F-4D97-AF65-F5344CB8AC3E}">
         <p14:creationId xmlns:p14="http://schemas.microsoft.com/office/powerpoint/2010/main" val="570504969"/>
+      </p:ext>
+    </p:extLst>
+  </p:cSld>
+  <p:clrMapOvr>
+    <a:masterClrMapping/>
+  </p:clrMapOvr>
+</p:notes>
+</file>
+
+<file path=ppt/notesSlides/notesSlide3.xml><?xml version="1.0" encoding="utf-8"?>
+<p:notes xmlns:a="http://schemas.openxmlformats.org/drawingml/2006/main" xmlns:r="http://schemas.openxmlformats.org/officeDocument/2006/relationships" xmlns:p="http://schemas.openxmlformats.org/presentationml/2006/main">
+  <p:cSld>
+    <p:spTree>
+      <p:nvGrpSpPr>
+        <p:cNvPr id="1" name=""/>
+        <p:cNvGrpSpPr/>
+        <p:nvPr/>
+      </p:nvGrpSpPr>
+      <p:grpSpPr>
+        <a:xfrm>
+          <a:off x="0" y="0"/>
+          <a:ext cx="0" cy="0"/>
+          <a:chOff x="0" y="0"/>
+          <a:chExt cx="0" cy="0"/>
+        </a:xfrm>
+      </p:grpSpPr>
+      <p:sp>
+        <p:nvSpPr>
+          <p:cNvPr id="2" name="Slide Image Placeholder 1"/>
+          <p:cNvSpPr>
+            <a:spLocks noGrp="1" noRot="1" noChangeAspect="1"/>
+          </p:cNvSpPr>
+          <p:nvPr>
+            <p:ph type="sldImg"/>
+          </p:nvPr>
+        </p:nvSpPr>
+        <p:spPr/>
+      </p:sp>
+      <p:sp>
+        <p:nvSpPr>
+          <p:cNvPr id="3" name="Notes Placeholder 2"/>
+          <p:cNvSpPr>
+            <a:spLocks noGrp="1"/>
+          </p:cNvSpPr>
+          <p:nvPr>
+            <p:ph type="body" idx="1"/>
+          </p:nvPr>
+        </p:nvSpPr>
+        <p:spPr/>
+        <p:txBody>
+          <a:bodyPr/>
+          <a:lstStyle/>
+          <a:p>
+            <a:endParaRPr lang="en-US" dirty="0"/>
+          </a:p>
+        </p:txBody>
+      </p:sp>
+      <p:sp>
+        <p:nvSpPr>
+          <p:cNvPr id="4" name="Slide Number Placeholder 3"/>
+          <p:cNvSpPr>
+            <a:spLocks noGrp="1"/>
+          </p:cNvSpPr>
+          <p:nvPr>
+            <p:ph type="sldNum" sz="quarter" idx="5"/>
+          </p:nvPr>
+        </p:nvSpPr>
+        <p:spPr/>
+        <p:txBody>
+          <a:bodyPr/>
+          <a:lstStyle/>
+          <a:p>
+            <a:fld id="{61B15154-55ED-744E-90C6-4BB2F12ADEB2}" type="slidenum">
+              <a:rPr lang="en-US" smtClean="0"/>
+              <a:t>6</a:t>
+            </a:fld>
+            <a:endParaRPr lang="en-US"/>
+          </a:p>
+        </p:txBody>
+      </p:sp>
+    </p:spTree>
+    <p:extLst>
+      <p:ext uri="{BB962C8B-B14F-4D97-AF65-F5344CB8AC3E}">
+        <p14:creationId xmlns:p14="http://schemas.microsoft.com/office/powerpoint/2010/main" val="1725941263"/>
       </p:ext>
     </p:extLst>
   </p:cSld>
@@ -3909,7 +3999,13 @@
             </a:r>
             <a:r>
               <a:rPr lang="en-US" dirty="0"/>
-              <a:t> for better </a:t>
+              <a:t> </a:t>
+            </a:r>
+          </a:p>
+          <a:p>
+            <a:r>
+              <a:rPr lang="en-US" dirty="0"/>
+              <a:t>for better </a:t>
             </a:r>
             <a:r>
               <a:rPr lang="en-US" strike="sngStrike" dirty="0"/>
@@ -4120,12 +4216,19 @@
           <a:p>
             <a:r>
               <a:rPr lang="en-US" dirty="0"/>
-              <a:t>Understand the why and how of using a code versioning system like git / </a:t>
-            </a:r>
-            <a:r>
-              <a:rPr lang="en-US" dirty="0" err="1"/>
+              <a:t>Understand the why and how of using a code versioning system like </a:t>
+            </a:r>
+            <a:r>
+              <a:rPr lang="en-US" b="1" dirty="0"/>
+              <a:t>git / </a:t>
+            </a:r>
+            <a:r>
+              <a:rPr lang="en-US" b="1" dirty="0" err="1"/>
               <a:t>Github</a:t>
             </a:r>
+            <a:endParaRPr lang="en-US" b="1" dirty="0"/>
+          </a:p>
+          <a:p>
             <a:endParaRPr lang="en-US" dirty="0"/>
           </a:p>
           <a:p>
@@ -4134,8 +4237,8 @@
               <a:t>Know how to get started with your project on UVA’s high performance cluster Rivanna using a </a:t>
             </a:r>
             <a:r>
-              <a:rPr lang="en-US" dirty="0" err="1"/>
-              <a:t>unix</a:t>
+              <a:rPr lang="en-US" b="1" dirty="0"/>
+              <a:t>Unix</a:t>
             </a:r>
             <a:r>
               <a:rPr lang="en-US" dirty="0"/>
@@ -4143,15 +4246,18 @@
             </a:r>
           </a:p>
           <a:p>
-            <a:r>
-              <a:rPr lang="en-US" dirty="0"/>
-              <a:t>How to submit a job to Rivanna using </a:t>
-            </a:r>
-            <a:r>
-              <a:rPr lang="en-US" dirty="0" err="1"/>
+            <a:endParaRPr lang="en-US" dirty="0"/>
+          </a:p>
+          <a:p>
+            <a:r>
+              <a:rPr lang="en-US" dirty="0"/>
+              <a:t>How to submit a job that requires high performance to Rivanna using </a:t>
+            </a:r>
+            <a:r>
+              <a:rPr lang="en-US" b="1" dirty="0" err="1"/>
               <a:t>slurm</a:t>
             </a:r>
-            <a:endParaRPr lang="en-US" dirty="0"/>
+            <a:endParaRPr lang="en-US" b="1" dirty="0"/>
           </a:p>
         </p:txBody>
       </p:sp>
@@ -4246,7 +4352,7 @@
           <a:lstStyle/>
           <a:p>
             <a:r>
-              <a:rPr lang="en-US" dirty="0"/>
+              <a:rPr lang="en-US" b="1" dirty="0"/>
               <a:t>git</a:t>
             </a:r>
           </a:p>
@@ -4258,7 +4364,7 @@
           </a:p>
           <a:p>
             <a:r>
-              <a:rPr lang="en-US" dirty="0"/>
+              <a:rPr lang="en-US" b="1" dirty="0"/>
               <a:t>Unix</a:t>
             </a:r>
           </a:p>
@@ -4270,10 +4376,10 @@
           </a:p>
           <a:p>
             <a:r>
-              <a:rPr lang="en-US" dirty="0" err="1"/>
+              <a:rPr lang="en-US" b="1" dirty="0" err="1"/>
               <a:t>slurm</a:t>
             </a:r>
-            <a:endParaRPr lang="en-US" dirty="0"/>
+            <a:endParaRPr lang="en-US" b="1" dirty="0"/>
           </a:p>
         </p:txBody>
       </p:sp>
@@ -4550,6 +4656,1108 @@
       <p:bldP spid="8" grpId="0"/>
     </p:bldLst>
   </p:timing>
+</p:sld>
+</file>
+
+<file path=ppt/slides/slide4.xml><?xml version="1.0" encoding="utf-8"?>
+<p:sld xmlns:a="http://schemas.openxmlformats.org/drawingml/2006/main" xmlns:r="http://schemas.openxmlformats.org/officeDocument/2006/relationships" xmlns:p="http://schemas.openxmlformats.org/presentationml/2006/main">
+  <p:cSld>
+    <p:spTree>
+      <p:nvGrpSpPr>
+        <p:cNvPr id="1" name=""/>
+        <p:cNvGrpSpPr/>
+        <p:nvPr/>
+      </p:nvGrpSpPr>
+      <p:grpSpPr>
+        <a:xfrm>
+          <a:off x="0" y="0"/>
+          <a:ext cx="0" cy="0"/>
+          <a:chOff x="0" y="0"/>
+          <a:chExt cx="0" cy="0"/>
+        </a:xfrm>
+      </p:grpSpPr>
+      <p:sp>
+        <p:nvSpPr>
+          <p:cNvPr id="2" name="Title 1">
+            <a:extLst>
+              <a:ext uri="{FF2B5EF4-FFF2-40B4-BE49-F238E27FC236}">
+                <a16:creationId xmlns:a16="http://schemas.microsoft.com/office/drawing/2014/main" id="{B59DBF22-1811-2282-17AA-6DB6B3E80DA3}"/>
+              </a:ext>
+            </a:extLst>
+          </p:cNvPr>
+          <p:cNvSpPr>
+            <a:spLocks noGrp="1"/>
+          </p:cNvSpPr>
+          <p:nvPr>
+            <p:ph type="title"/>
+          </p:nvPr>
+        </p:nvSpPr>
+        <p:spPr/>
+        <p:txBody>
+          <a:bodyPr>
+            <a:normAutofit/>
+          </a:bodyPr>
+          <a:lstStyle/>
+          <a:p>
+            <a:r>
+              <a:rPr lang="en-US" sz="4000" b="1" dirty="0"/>
+              <a:t>git</a:t>
+            </a:r>
+            <a:r>
+              <a:rPr lang="en-US" sz="4000" dirty="0"/>
+              <a:t> is a way to store and version control your code</a:t>
+            </a:r>
+          </a:p>
+        </p:txBody>
+      </p:sp>
+      <p:sp>
+        <p:nvSpPr>
+          <p:cNvPr id="3" name="Content Placeholder 2">
+            <a:extLst>
+              <a:ext uri="{FF2B5EF4-FFF2-40B4-BE49-F238E27FC236}">
+                <a16:creationId xmlns:a16="http://schemas.microsoft.com/office/drawing/2014/main" id="{D6790DBB-E25E-E779-0A22-D6F1F28E7ADA}"/>
+              </a:ext>
+            </a:extLst>
+          </p:cNvPr>
+          <p:cNvSpPr>
+            <a:spLocks noGrp="1"/>
+          </p:cNvSpPr>
+          <p:nvPr>
+            <p:ph idx="1"/>
+          </p:nvPr>
+        </p:nvSpPr>
+        <p:spPr/>
+        <p:txBody>
+          <a:bodyPr>
+            <a:normAutofit fontScale="92500" lnSpcReduction="10000"/>
+          </a:bodyPr>
+          <a:lstStyle/>
+          <a:p>
+            <a:r>
+              <a:rPr lang="en-US" dirty="0"/>
+              <a:t>“A system that tracks every change to your files over time, like an unlimited </a:t>
+            </a:r>
+            <a:r>
+              <a:rPr lang="en-US" b="1" dirty="0"/>
+              <a:t>undo</a:t>
+            </a:r>
+            <a:r>
+              <a:rPr lang="en-US" dirty="0"/>
+              <a:t> button with a complete history”</a:t>
+            </a:r>
+          </a:p>
+          <a:p>
+            <a:r>
+              <a:rPr lang="en-US" dirty="0"/>
+              <a:t>Provides an interface for </a:t>
+            </a:r>
+            <a:r>
+              <a:rPr lang="en-US" b="1" dirty="0"/>
+              <a:t>who</a:t>
+            </a:r>
+            <a:r>
+              <a:rPr lang="en-US" dirty="0"/>
+              <a:t> made the changes and </a:t>
+            </a:r>
+            <a:r>
+              <a:rPr lang="en-US" b="1" dirty="0"/>
+              <a:t>why</a:t>
+            </a:r>
+            <a:r>
+              <a:rPr lang="en-US" dirty="0"/>
+              <a:t> they were made</a:t>
+            </a:r>
+          </a:p>
+          <a:p>
+            <a:pPr lvl="1"/>
+            <a:r>
+              <a:rPr lang="en-US" dirty="0"/>
+              <a:t>Allows for easy collaboration between a team of researchers</a:t>
+            </a:r>
+          </a:p>
+          <a:p>
+            <a:r>
+              <a:rPr lang="en-US" dirty="0"/>
+              <a:t>Can roll back to a </a:t>
+            </a:r>
+            <a:r>
+              <a:rPr lang="en-US" b="1" dirty="0"/>
+              <a:t>previous version</a:t>
+            </a:r>
+            <a:r>
+              <a:rPr lang="en-US" dirty="0"/>
+              <a:t> as they are all preserved</a:t>
+            </a:r>
+          </a:p>
+          <a:p>
+            <a:pPr lvl="1"/>
+            <a:r>
+              <a:rPr lang="en-US" dirty="0"/>
+              <a:t>Can ensure </a:t>
+            </a:r>
+            <a:r>
+              <a:rPr lang="en-US" b="1" dirty="0"/>
+              <a:t>reproducibility</a:t>
+            </a:r>
+            <a:r>
+              <a:rPr lang="en-US" dirty="0"/>
+              <a:t> of an analysis</a:t>
+            </a:r>
+          </a:p>
+          <a:p>
+            <a:r>
+              <a:rPr lang="en-US" dirty="0"/>
+              <a:t>A </a:t>
+            </a:r>
+            <a:r>
+              <a:rPr lang="en-US" b="1" dirty="0"/>
+              <a:t>central repository</a:t>
+            </a:r>
+            <a:r>
+              <a:rPr lang="en-US" dirty="0"/>
+              <a:t> (</a:t>
+            </a:r>
+            <a:r>
+              <a:rPr lang="en-US" dirty="0" err="1"/>
+              <a:t>Github</a:t>
+            </a:r>
+            <a:r>
+              <a:rPr lang="en-US" dirty="0"/>
+              <a:t>, Gitlab) that can be shared amongst team members and external collaborators</a:t>
+            </a:r>
+          </a:p>
+          <a:p>
+            <a:pPr lvl="1"/>
+            <a:r>
+              <a:rPr lang="en-US" dirty="0"/>
+              <a:t>Even for just an individual to share between different computers …</a:t>
+            </a:r>
+          </a:p>
+          <a:p>
+            <a:r>
+              <a:rPr lang="en-US" b="1" dirty="0"/>
+              <a:t>git</a:t>
+            </a:r>
+            <a:r>
+              <a:rPr lang="en-US" dirty="0"/>
+              <a:t> is meant for </a:t>
+            </a:r>
+            <a:r>
+              <a:rPr lang="en-US" b="1" dirty="0"/>
+              <a:t>code </a:t>
+            </a:r>
+            <a:r>
+              <a:rPr lang="en-US" dirty="0"/>
+              <a:t>and </a:t>
+            </a:r>
+            <a:r>
+              <a:rPr lang="en-US" b="1" u="sng" dirty="0">
+                <a:solidFill>
+                  <a:srgbClr val="FF0000"/>
+                </a:solidFill>
+              </a:rPr>
+              <a:t>NOT</a:t>
+            </a:r>
+            <a:r>
+              <a:rPr lang="en-US" dirty="0"/>
+              <a:t> </a:t>
+            </a:r>
+            <a:r>
+              <a:rPr lang="en-US" b="1" dirty="0"/>
+              <a:t>data</a:t>
+            </a:r>
+          </a:p>
+        </p:txBody>
+      </p:sp>
+    </p:spTree>
+    <p:extLst>
+      <p:ext uri="{BB962C8B-B14F-4D97-AF65-F5344CB8AC3E}">
+        <p14:creationId xmlns:p14="http://schemas.microsoft.com/office/powerpoint/2010/main" val="4192679385"/>
+      </p:ext>
+    </p:extLst>
+  </p:cSld>
+  <p:clrMapOvr>
+    <a:masterClrMapping/>
+  </p:clrMapOvr>
+</p:sld>
+</file>
+
+<file path=ppt/slides/slide5.xml><?xml version="1.0" encoding="utf-8"?>
+<p:sld xmlns:a="http://schemas.openxmlformats.org/drawingml/2006/main" xmlns:r="http://schemas.openxmlformats.org/officeDocument/2006/relationships" xmlns:p="http://schemas.openxmlformats.org/presentationml/2006/main">
+  <p:cSld>
+    <p:spTree>
+      <p:nvGrpSpPr>
+        <p:cNvPr id="1" name=""/>
+        <p:cNvGrpSpPr/>
+        <p:nvPr/>
+      </p:nvGrpSpPr>
+      <p:grpSpPr>
+        <a:xfrm>
+          <a:off x="0" y="0"/>
+          <a:ext cx="0" cy="0"/>
+          <a:chOff x="0" y="0"/>
+          <a:chExt cx="0" cy="0"/>
+        </a:xfrm>
+      </p:grpSpPr>
+      <p:sp>
+        <p:nvSpPr>
+          <p:cNvPr id="2" name="Title 1">
+            <a:extLst>
+              <a:ext uri="{FF2B5EF4-FFF2-40B4-BE49-F238E27FC236}">
+                <a16:creationId xmlns:a16="http://schemas.microsoft.com/office/drawing/2014/main" id="{90BE8590-7279-F17B-8C35-98E95B097F68}"/>
+              </a:ext>
+            </a:extLst>
+          </p:cNvPr>
+          <p:cNvSpPr>
+            <a:spLocks noGrp="1"/>
+          </p:cNvSpPr>
+          <p:nvPr>
+            <p:ph type="title"/>
+          </p:nvPr>
+        </p:nvSpPr>
+        <p:spPr/>
+        <p:txBody>
+          <a:bodyPr/>
+          <a:lstStyle/>
+          <a:p>
+            <a:r>
+              <a:rPr lang="en-US" dirty="0"/>
+              <a:t>Commonly used git commands</a:t>
+            </a:r>
+          </a:p>
+        </p:txBody>
+      </p:sp>
+      <p:sp>
+        <p:nvSpPr>
+          <p:cNvPr id="3" name="Content Placeholder 2">
+            <a:extLst>
+              <a:ext uri="{FF2B5EF4-FFF2-40B4-BE49-F238E27FC236}">
+                <a16:creationId xmlns:a16="http://schemas.microsoft.com/office/drawing/2014/main" id="{BBD935BF-4CA3-81B6-794B-6B2D12B68D3C}"/>
+              </a:ext>
+            </a:extLst>
+          </p:cNvPr>
+          <p:cNvSpPr>
+            <a:spLocks noGrp="1"/>
+          </p:cNvSpPr>
+          <p:nvPr>
+            <p:ph idx="1"/>
+          </p:nvPr>
+        </p:nvSpPr>
+        <p:spPr/>
+        <p:txBody>
+          <a:bodyPr>
+            <a:normAutofit fontScale="92500" lnSpcReduction="20000"/>
+          </a:bodyPr>
+          <a:lstStyle/>
+          <a:p>
+            <a:r>
+              <a:rPr lang="en-US" dirty="0">
+                <a:highlight>
+                  <a:srgbClr val="C0C0C0"/>
+                </a:highlight>
+                <a:latin typeface="Courier New" panose="02070309020205020404" pitchFamily="49" charset="0"/>
+                <a:cs typeface="Courier New" panose="02070309020205020404" pitchFamily="49" charset="0"/>
+              </a:rPr>
+              <a:t>git </a:t>
+            </a:r>
+            <a:r>
+              <a:rPr lang="en-US" dirty="0" err="1">
+                <a:highlight>
+                  <a:srgbClr val="C0C0C0"/>
+                </a:highlight>
+                <a:latin typeface="Courier New" panose="02070309020205020404" pitchFamily="49" charset="0"/>
+                <a:cs typeface="Courier New" panose="02070309020205020404" pitchFamily="49" charset="0"/>
+              </a:rPr>
+              <a:t>init</a:t>
+            </a:r>
+            <a:r>
+              <a:rPr lang="en-US" dirty="0">
+                <a:highlight>
+                  <a:srgbClr val="C0C0C0"/>
+                </a:highlight>
+                <a:latin typeface="Courier New" panose="02070309020205020404" pitchFamily="49" charset="0"/>
+                <a:cs typeface="Courier New" panose="02070309020205020404" pitchFamily="49" charset="0"/>
+              </a:rPr>
+              <a:t>/clone</a:t>
+            </a:r>
+          </a:p>
+          <a:p>
+            <a:pPr lvl="1"/>
+            <a:r>
+              <a:rPr lang="en-US" dirty="0"/>
+              <a:t>Create a new git repository (</a:t>
+            </a:r>
+            <a:r>
+              <a:rPr lang="en-US" dirty="0" err="1"/>
+              <a:t>init</a:t>
+            </a:r>
+            <a:r>
+              <a:rPr lang="en-US" dirty="0"/>
+              <a:t>) or download a repository (clone)</a:t>
+            </a:r>
+          </a:p>
+          <a:p>
+            <a:r>
+              <a:rPr lang="en-US" dirty="0">
+                <a:highlight>
+                  <a:srgbClr val="C0C0C0"/>
+                </a:highlight>
+                <a:latin typeface="Courier New" panose="02070309020205020404" pitchFamily="49" charset="0"/>
+                <a:cs typeface="Courier New" panose="02070309020205020404" pitchFamily="49" charset="0"/>
+              </a:rPr>
+              <a:t>git add</a:t>
+            </a:r>
+          </a:p>
+          <a:p>
+            <a:pPr lvl="1"/>
+            <a:r>
+              <a:rPr lang="en-US" dirty="0"/>
+              <a:t>Add a new file to be tracked by git version control</a:t>
+            </a:r>
+          </a:p>
+          <a:p>
+            <a:r>
+              <a:rPr lang="en-US" dirty="0">
+                <a:highlight>
+                  <a:srgbClr val="C0C0C0"/>
+                </a:highlight>
+                <a:latin typeface="Courier New" panose="02070309020205020404" pitchFamily="49" charset="0"/>
+                <a:cs typeface="Courier New" panose="02070309020205020404" pitchFamily="49" charset="0"/>
+              </a:rPr>
+              <a:t>git commit</a:t>
+            </a:r>
+          </a:p>
+          <a:p>
+            <a:pPr lvl="1"/>
+            <a:r>
+              <a:rPr lang="en-US" dirty="0"/>
+              <a:t>Save changes to the file and a comment about the change to the repository</a:t>
+            </a:r>
+          </a:p>
+          <a:p>
+            <a:r>
+              <a:rPr lang="en-US" dirty="0">
+                <a:highlight>
+                  <a:srgbClr val="C0C0C0"/>
+                </a:highlight>
+                <a:latin typeface="Courier New" panose="02070309020205020404" pitchFamily="49" charset="0"/>
+                <a:cs typeface="Courier New" panose="02070309020205020404" pitchFamily="49" charset="0"/>
+              </a:rPr>
+              <a:t>git push</a:t>
+            </a:r>
+          </a:p>
+          <a:p>
+            <a:pPr lvl="1"/>
+            <a:r>
+              <a:rPr lang="en-US" dirty="0"/>
+              <a:t>Save all commits to the repository to an external location</a:t>
+            </a:r>
+          </a:p>
+          <a:p>
+            <a:r>
+              <a:rPr lang="en-US" dirty="0">
+                <a:highlight>
+                  <a:srgbClr val="C0C0C0"/>
+                </a:highlight>
+                <a:latin typeface="Courier New" panose="02070309020205020404" pitchFamily="49" charset="0"/>
+                <a:cs typeface="Courier New" panose="02070309020205020404" pitchFamily="49" charset="0"/>
+              </a:rPr>
+              <a:t>git pull</a:t>
+            </a:r>
+          </a:p>
+          <a:p>
+            <a:pPr lvl="1"/>
+            <a:r>
+              <a:rPr lang="en-US" dirty="0"/>
+              <a:t>Download all changes to the repository to your local version</a:t>
+            </a:r>
+          </a:p>
+          <a:p>
+            <a:r>
+              <a:rPr lang="en-US" dirty="0">
+                <a:highlight>
+                  <a:srgbClr val="C0C0C0"/>
+                </a:highlight>
+                <a:latin typeface="Courier New" panose="02070309020205020404" pitchFamily="49" charset="0"/>
+                <a:cs typeface="Courier New" panose="02070309020205020404" pitchFamily="49" charset="0"/>
+              </a:rPr>
+              <a:t>git fork</a:t>
+            </a:r>
+          </a:p>
+          <a:p>
+            <a:pPr lvl="1"/>
+            <a:r>
+              <a:rPr lang="en-US" dirty="0"/>
+              <a:t>Create a copy of a different repository to make your own modifications</a:t>
+            </a:r>
+          </a:p>
+        </p:txBody>
+      </p:sp>
+      <p:pic>
+        <p:nvPicPr>
+          <p:cNvPr id="5" name="Picture 4" descr="A red and black logo&#10;&#10;AI-generated content may be incorrect.">
+            <a:extLst>
+              <a:ext uri="{FF2B5EF4-FFF2-40B4-BE49-F238E27FC236}">
+                <a16:creationId xmlns:a16="http://schemas.microsoft.com/office/drawing/2014/main" id="{F0FB9CCE-38A4-295D-19FA-88044EC73227}"/>
+              </a:ext>
+            </a:extLst>
+          </p:cNvPr>
+          <p:cNvPicPr>
+            <a:picLocks noChangeAspect="1"/>
+          </p:cNvPicPr>
+          <p:nvPr/>
+        </p:nvPicPr>
+        <p:blipFill>
+          <a:blip r:embed="rId2"/>
+          <a:stretch>
+            <a:fillRect/>
+          </a:stretch>
+        </p:blipFill>
+        <p:spPr>
+          <a:xfrm>
+            <a:off x="9752105" y="1376035"/>
+            <a:ext cx="2032000" cy="2032000"/>
+          </a:xfrm>
+          <a:prstGeom prst="rect">
+            <a:avLst/>
+          </a:prstGeom>
+        </p:spPr>
+      </p:pic>
+    </p:spTree>
+    <p:extLst>
+      <p:ext uri="{BB962C8B-B14F-4D97-AF65-F5344CB8AC3E}">
+        <p14:creationId xmlns:p14="http://schemas.microsoft.com/office/powerpoint/2010/main" val="3896094313"/>
+      </p:ext>
+    </p:extLst>
+  </p:cSld>
+  <p:clrMapOvr>
+    <a:masterClrMapping/>
+  </p:clrMapOvr>
+</p:sld>
+</file>
+
+<file path=ppt/slides/slide6.xml><?xml version="1.0" encoding="utf-8"?>
+<p:sld xmlns:a="http://schemas.openxmlformats.org/drawingml/2006/main" xmlns:r="http://schemas.openxmlformats.org/officeDocument/2006/relationships" xmlns:p="http://schemas.openxmlformats.org/presentationml/2006/main">
+  <p:cSld>
+    <p:spTree>
+      <p:nvGrpSpPr>
+        <p:cNvPr id="1" name=""/>
+        <p:cNvGrpSpPr/>
+        <p:nvPr/>
+      </p:nvGrpSpPr>
+      <p:grpSpPr>
+        <a:xfrm>
+          <a:off x="0" y="0"/>
+          <a:ext cx="0" cy="0"/>
+          <a:chOff x="0" y="0"/>
+          <a:chExt cx="0" cy="0"/>
+        </a:xfrm>
+      </p:grpSpPr>
+      <p:sp>
+        <p:nvSpPr>
+          <p:cNvPr id="2" name="Title 1">
+            <a:extLst>
+              <a:ext uri="{FF2B5EF4-FFF2-40B4-BE49-F238E27FC236}">
+                <a16:creationId xmlns:a16="http://schemas.microsoft.com/office/drawing/2014/main" id="{C5233410-D60C-B8D4-0B8E-65579FAAFAB8}"/>
+              </a:ext>
+            </a:extLst>
+          </p:cNvPr>
+          <p:cNvSpPr>
+            <a:spLocks noGrp="1"/>
+          </p:cNvSpPr>
+          <p:nvPr>
+            <p:ph type="title"/>
+          </p:nvPr>
+        </p:nvSpPr>
+        <p:spPr/>
+        <p:txBody>
+          <a:bodyPr/>
+          <a:lstStyle/>
+          <a:p>
+            <a:r>
+              <a:rPr lang="en-US" dirty="0"/>
+              <a:t>More advanced git commands</a:t>
+            </a:r>
+          </a:p>
+        </p:txBody>
+      </p:sp>
+      <p:sp>
+        <p:nvSpPr>
+          <p:cNvPr id="3" name="Content Placeholder 2">
+            <a:extLst>
+              <a:ext uri="{FF2B5EF4-FFF2-40B4-BE49-F238E27FC236}">
+                <a16:creationId xmlns:a16="http://schemas.microsoft.com/office/drawing/2014/main" id="{E30EE95A-FB82-7DE4-0004-4B742DEFA339}"/>
+              </a:ext>
+            </a:extLst>
+          </p:cNvPr>
+          <p:cNvSpPr>
+            <a:spLocks noGrp="1"/>
+          </p:cNvSpPr>
+          <p:nvPr>
+            <p:ph idx="1"/>
+          </p:nvPr>
+        </p:nvSpPr>
+        <p:spPr>
+          <a:xfrm>
+            <a:off x="838200" y="1825625"/>
+            <a:ext cx="5730766" cy="4351338"/>
+          </a:xfrm>
+        </p:spPr>
+        <p:txBody>
+          <a:bodyPr>
+            <a:normAutofit fontScale="92500" lnSpcReduction="10000"/>
+          </a:bodyPr>
+          <a:lstStyle/>
+          <a:p>
+            <a:r>
+              <a:rPr lang="en-US" dirty="0">
+                <a:highlight>
+                  <a:srgbClr val="C0C0C0"/>
+                </a:highlight>
+                <a:latin typeface="Courier New" panose="02070309020205020404" pitchFamily="49" charset="0"/>
+                <a:cs typeface="Courier New" panose="02070309020205020404" pitchFamily="49" charset="0"/>
+              </a:rPr>
+              <a:t>git branch</a:t>
+            </a:r>
+          </a:p>
+          <a:p>
+            <a:pPr lvl="1"/>
+            <a:r>
+              <a:rPr lang="en-US" dirty="0">
+                <a:cs typeface="Courier New" panose="02070309020205020404" pitchFamily="49" charset="0"/>
+              </a:rPr>
+              <a:t>Create a branch in the code, so crazy new ideas can be experimented with</a:t>
+            </a:r>
+          </a:p>
+          <a:p>
+            <a:pPr lvl="1"/>
+            <a:r>
+              <a:rPr lang="en-US" dirty="0"/>
+              <a:t>Main branch of the code is unaffected, just in case those crazy new ideas end up breaking things</a:t>
+            </a:r>
+          </a:p>
+          <a:p>
+            <a:r>
+              <a:rPr lang="en-US" dirty="0">
+                <a:highlight>
+                  <a:srgbClr val="C0C0C0"/>
+                </a:highlight>
+                <a:latin typeface="Courier New" panose="02070309020205020404" pitchFamily="49" charset="0"/>
+                <a:cs typeface="Courier New" panose="02070309020205020404" pitchFamily="49" charset="0"/>
+              </a:rPr>
+              <a:t>git merge</a:t>
+            </a:r>
+          </a:p>
+          <a:p>
+            <a:pPr lvl="1"/>
+            <a:r>
+              <a:rPr lang="en-US" dirty="0">
+                <a:cs typeface="Courier New" panose="02070309020205020404" pitchFamily="49" charset="0"/>
+              </a:rPr>
+              <a:t>Hey, looks like that crazy new idea does work! Let’s merge it back in with the main branch</a:t>
+            </a:r>
+          </a:p>
+          <a:p>
+            <a:pPr lvl="1"/>
+            <a:r>
+              <a:rPr lang="en-US" dirty="0">
+                <a:cs typeface="Courier New" panose="02070309020205020404" pitchFamily="49" charset="0"/>
+              </a:rPr>
+              <a:t>git automates merging in the changes (and typically does a good job) but might require hand-holding if changes are complex</a:t>
+            </a:r>
+          </a:p>
+        </p:txBody>
+      </p:sp>
+      <p:pic>
+        <p:nvPicPr>
+          <p:cNvPr id="5" name="Picture 4" descr="A diagram of a branch&#10;&#10;AI-generated content may be incorrect.">
+            <a:extLst>
+              <a:ext uri="{FF2B5EF4-FFF2-40B4-BE49-F238E27FC236}">
+                <a16:creationId xmlns:a16="http://schemas.microsoft.com/office/drawing/2014/main" id="{B8B602AD-EA4A-2398-B442-76B0BC92FA35}"/>
+              </a:ext>
+            </a:extLst>
+          </p:cNvPr>
+          <p:cNvPicPr>
+            <a:picLocks noChangeAspect="1"/>
+          </p:cNvPicPr>
+          <p:nvPr/>
+        </p:nvPicPr>
+        <p:blipFill>
+          <a:blip r:embed="rId3"/>
+          <a:stretch>
+            <a:fillRect/>
+          </a:stretch>
+        </p:blipFill>
+        <p:spPr>
+          <a:xfrm>
+            <a:off x="6662787" y="1910888"/>
+            <a:ext cx="5069542" cy="3607174"/>
+          </a:xfrm>
+          <a:prstGeom prst="rect">
+            <a:avLst/>
+          </a:prstGeom>
+        </p:spPr>
+      </p:pic>
+    </p:spTree>
+    <p:extLst>
+      <p:ext uri="{BB962C8B-B14F-4D97-AF65-F5344CB8AC3E}">
+        <p14:creationId xmlns:p14="http://schemas.microsoft.com/office/powerpoint/2010/main" val="4017774146"/>
+      </p:ext>
+    </p:extLst>
+  </p:cSld>
+  <p:clrMapOvr>
+    <a:masterClrMapping/>
+  </p:clrMapOvr>
+</p:sld>
+</file>
+
+<file path=ppt/slides/slide7.xml><?xml version="1.0" encoding="utf-8"?>
+<p:sld xmlns:a="http://schemas.openxmlformats.org/drawingml/2006/main" xmlns:r="http://schemas.openxmlformats.org/officeDocument/2006/relationships" xmlns:p="http://schemas.openxmlformats.org/presentationml/2006/main">
+  <p:cSld>
+    <p:spTree>
+      <p:nvGrpSpPr>
+        <p:cNvPr id="1" name=""/>
+        <p:cNvGrpSpPr/>
+        <p:nvPr/>
+      </p:nvGrpSpPr>
+      <p:grpSpPr>
+        <a:xfrm>
+          <a:off x="0" y="0"/>
+          <a:ext cx="0" cy="0"/>
+          <a:chOff x="0" y="0"/>
+          <a:chExt cx="0" cy="0"/>
+        </a:xfrm>
+      </p:grpSpPr>
+      <p:sp>
+        <p:nvSpPr>
+          <p:cNvPr id="2" name="Title 1">
+            <a:extLst>
+              <a:ext uri="{FF2B5EF4-FFF2-40B4-BE49-F238E27FC236}">
+                <a16:creationId xmlns:a16="http://schemas.microsoft.com/office/drawing/2014/main" id="{7940EBD8-C6D3-3846-7C36-F30CB4DD9332}"/>
+              </a:ext>
+            </a:extLst>
+          </p:cNvPr>
+          <p:cNvSpPr>
+            <a:spLocks noGrp="1"/>
+          </p:cNvSpPr>
+          <p:nvPr>
+            <p:ph type="title"/>
+          </p:nvPr>
+        </p:nvSpPr>
+        <p:spPr/>
+        <p:txBody>
+          <a:bodyPr/>
+          <a:lstStyle/>
+          <a:p>
+            <a:r>
+              <a:rPr lang="en-US" dirty="0" err="1"/>
+              <a:t>Github</a:t>
+            </a:r>
+            <a:r>
+              <a:rPr lang="en-US" dirty="0"/>
+              <a:t> is online storage to store and share code using git</a:t>
+            </a:r>
+          </a:p>
+        </p:txBody>
+      </p:sp>
+      <p:sp>
+        <p:nvSpPr>
+          <p:cNvPr id="3" name="Content Placeholder 2">
+            <a:extLst>
+              <a:ext uri="{FF2B5EF4-FFF2-40B4-BE49-F238E27FC236}">
+                <a16:creationId xmlns:a16="http://schemas.microsoft.com/office/drawing/2014/main" id="{F66E4948-08FD-DAB6-2E1D-FE47F8F76C63}"/>
+              </a:ext>
+            </a:extLst>
+          </p:cNvPr>
+          <p:cNvSpPr>
+            <a:spLocks noGrp="1"/>
+          </p:cNvSpPr>
+          <p:nvPr>
+            <p:ph idx="1"/>
+          </p:nvPr>
+        </p:nvSpPr>
+        <p:spPr>
+          <a:xfrm>
+            <a:off x="838200" y="1825625"/>
+            <a:ext cx="5257800" cy="4351338"/>
+          </a:xfrm>
+        </p:spPr>
+        <p:txBody>
+          <a:bodyPr/>
+          <a:lstStyle/>
+          <a:p>
+            <a:r>
+              <a:rPr lang="en-US" dirty="0"/>
+              <a:t>An online storage space that serves as the hub for your code</a:t>
+            </a:r>
+          </a:p>
+          <a:p>
+            <a:r>
+              <a:rPr lang="en-US" dirty="0"/>
+              <a:t>Free to join, free to store code</a:t>
+            </a:r>
+          </a:p>
+          <a:p>
+            <a:pPr lvl="1"/>
+            <a:r>
+              <a:rPr lang="en-US" dirty="0"/>
+              <a:t>Especially if you are publicly sharing your code</a:t>
+            </a:r>
+          </a:p>
+          <a:p>
+            <a:pPr lvl="1"/>
+            <a:r>
+              <a:rPr lang="en-US" dirty="0"/>
+              <a:t>Private code has restrictions and might require payment</a:t>
+            </a:r>
+          </a:p>
+          <a:p>
+            <a:r>
+              <a:rPr lang="en-US" dirty="0"/>
+              <a:t>User controls who can make changes to code</a:t>
+            </a:r>
+          </a:p>
+          <a:p>
+            <a:pPr lvl="1"/>
+            <a:endParaRPr lang="en-US" dirty="0"/>
+          </a:p>
+        </p:txBody>
+      </p:sp>
+      <p:pic>
+        <p:nvPicPr>
+          <p:cNvPr id="5" name="Picture 4" descr="A screenshot of a computer&#10;&#10;AI-generated content may be incorrect.">
+            <a:extLst>
+              <a:ext uri="{FF2B5EF4-FFF2-40B4-BE49-F238E27FC236}">
+                <a16:creationId xmlns:a16="http://schemas.microsoft.com/office/drawing/2014/main" id="{EEED7496-D92B-D151-C0E0-479CBABCDBE9}"/>
+              </a:ext>
+            </a:extLst>
+          </p:cNvPr>
+          <p:cNvPicPr>
+            <a:picLocks noChangeAspect="1"/>
+          </p:cNvPicPr>
+          <p:nvPr/>
+        </p:nvPicPr>
+        <p:blipFill>
+          <a:blip r:embed="rId2"/>
+          <a:stretch>
+            <a:fillRect/>
+          </a:stretch>
+        </p:blipFill>
+        <p:spPr>
+          <a:xfrm>
+            <a:off x="6442607" y="1922136"/>
+            <a:ext cx="5160268" cy="4158316"/>
+          </a:xfrm>
+          <a:prstGeom prst="rect">
+            <a:avLst/>
+          </a:prstGeom>
+        </p:spPr>
+      </p:pic>
+    </p:spTree>
+    <p:extLst>
+      <p:ext uri="{BB962C8B-B14F-4D97-AF65-F5344CB8AC3E}">
+        <p14:creationId xmlns:p14="http://schemas.microsoft.com/office/powerpoint/2010/main" val="1140787127"/>
+      </p:ext>
+    </p:extLst>
+  </p:cSld>
+  <p:clrMapOvr>
+    <a:masterClrMapping/>
+  </p:clrMapOvr>
+</p:sld>
+</file>
+
+<file path=ppt/slides/slide8.xml><?xml version="1.0" encoding="utf-8"?>
+<p:sld xmlns:a="http://schemas.openxmlformats.org/drawingml/2006/main" xmlns:r="http://schemas.openxmlformats.org/officeDocument/2006/relationships" xmlns:p="http://schemas.openxmlformats.org/presentationml/2006/main">
+  <p:cSld>
+    <p:spTree>
+      <p:nvGrpSpPr>
+        <p:cNvPr id="1" name=""/>
+        <p:cNvGrpSpPr/>
+        <p:nvPr/>
+      </p:nvGrpSpPr>
+      <p:grpSpPr>
+        <a:xfrm>
+          <a:off x="0" y="0"/>
+          <a:ext cx="0" cy="0"/>
+          <a:chOff x="0" y="0"/>
+          <a:chExt cx="0" cy="0"/>
+        </a:xfrm>
+      </p:grpSpPr>
+      <p:sp>
+        <p:nvSpPr>
+          <p:cNvPr id="2" name="Title 1">
+            <a:extLst>
+              <a:ext uri="{FF2B5EF4-FFF2-40B4-BE49-F238E27FC236}">
+                <a16:creationId xmlns:a16="http://schemas.microsoft.com/office/drawing/2014/main" id="{96592D96-7C55-DE93-C500-AC2D0132F78F}"/>
+              </a:ext>
+            </a:extLst>
+          </p:cNvPr>
+          <p:cNvSpPr>
+            <a:spLocks noGrp="1"/>
+          </p:cNvSpPr>
+          <p:nvPr>
+            <p:ph type="title"/>
+          </p:nvPr>
+        </p:nvSpPr>
+        <p:spPr/>
+        <p:txBody>
+          <a:bodyPr/>
+          <a:lstStyle/>
+          <a:p>
+            <a:r>
+              <a:rPr lang="en-US" dirty="0"/>
+              <a:t>git / </a:t>
+            </a:r>
+            <a:r>
+              <a:rPr lang="en-US" dirty="0" err="1"/>
+              <a:t>Github</a:t>
+            </a:r>
+            <a:r>
+              <a:rPr lang="en-US" dirty="0"/>
+              <a:t> integrates well with RStudio</a:t>
+            </a:r>
+          </a:p>
+        </p:txBody>
+      </p:sp>
+      <p:sp>
+        <p:nvSpPr>
+          <p:cNvPr id="3" name="Content Placeholder 2">
+            <a:extLst>
+              <a:ext uri="{FF2B5EF4-FFF2-40B4-BE49-F238E27FC236}">
+                <a16:creationId xmlns:a16="http://schemas.microsoft.com/office/drawing/2014/main" id="{46FA0688-98E8-2909-40E3-77738C7912E1}"/>
+              </a:ext>
+            </a:extLst>
+          </p:cNvPr>
+          <p:cNvSpPr>
+            <a:spLocks noGrp="1"/>
+          </p:cNvSpPr>
+          <p:nvPr>
+            <p:ph idx="1"/>
+          </p:nvPr>
+        </p:nvSpPr>
+        <p:spPr>
+          <a:xfrm>
+            <a:off x="838200" y="1825625"/>
+            <a:ext cx="5100148" cy="4351338"/>
+          </a:xfrm>
+        </p:spPr>
+        <p:txBody>
+          <a:bodyPr/>
+          <a:lstStyle/>
+          <a:p>
+            <a:r>
+              <a:rPr lang="en-US" dirty="0"/>
+              <a:t>Initializing a project with git in </a:t>
+            </a:r>
+            <a:r>
+              <a:rPr lang="en-US" dirty="0" err="1"/>
+              <a:t>Rstudio</a:t>
+            </a:r>
+            <a:r>
+              <a:rPr lang="en-US" dirty="0"/>
+              <a:t> creates the git control panel</a:t>
+            </a:r>
+          </a:p>
+          <a:p>
+            <a:endParaRPr lang="en-US" dirty="0"/>
+          </a:p>
+          <a:p>
+            <a:r>
+              <a:rPr lang="en-US" dirty="0"/>
+              <a:t>This panel gives you controls for all commonly used git commands</a:t>
+            </a:r>
+          </a:p>
+          <a:p>
+            <a:pPr lvl="1"/>
+            <a:r>
+              <a:rPr lang="en-US" dirty="0"/>
+              <a:t>Visual overview of files and untracked changes</a:t>
+            </a:r>
+          </a:p>
+          <a:p>
+            <a:pPr lvl="1"/>
+            <a:r>
+              <a:rPr lang="en-US" dirty="0"/>
+              <a:t>No command line needed!</a:t>
+            </a:r>
+          </a:p>
+        </p:txBody>
+      </p:sp>
+      <p:pic>
+        <p:nvPicPr>
+          <p:cNvPr id="9" name="Picture 8" descr="A screenshot of a computer&#10;&#10;AI-generated content may be incorrect.">
+            <a:extLst>
+              <a:ext uri="{FF2B5EF4-FFF2-40B4-BE49-F238E27FC236}">
+                <a16:creationId xmlns:a16="http://schemas.microsoft.com/office/drawing/2014/main" id="{342C3CF8-9216-9ED0-A3B0-F8579893F184}"/>
+              </a:ext>
+            </a:extLst>
+          </p:cNvPr>
+          <p:cNvPicPr>
+            <a:picLocks noChangeAspect="1"/>
+          </p:cNvPicPr>
+          <p:nvPr/>
+        </p:nvPicPr>
+        <p:blipFill>
+          <a:blip r:embed="rId2"/>
+          <a:stretch>
+            <a:fillRect/>
+          </a:stretch>
+        </p:blipFill>
+        <p:spPr>
+          <a:xfrm>
+            <a:off x="6253654" y="1825625"/>
+            <a:ext cx="5560316" cy="4116294"/>
+          </a:xfrm>
+          <a:prstGeom prst="rect">
+            <a:avLst/>
+          </a:prstGeom>
+        </p:spPr>
+      </p:pic>
+    </p:spTree>
+    <p:extLst>
+      <p:ext uri="{BB962C8B-B14F-4D97-AF65-F5344CB8AC3E}">
+        <p14:creationId xmlns:p14="http://schemas.microsoft.com/office/powerpoint/2010/main" val="3765297676"/>
+      </p:ext>
+    </p:extLst>
+  </p:cSld>
+  <p:clrMapOvr>
+    <a:masterClrMapping/>
+  </p:clrMapOvr>
+</p:sld>
+</file>
+
+<file path=ppt/slides/slide9.xml><?xml version="1.0" encoding="utf-8"?>
+<p:sld xmlns:a="http://schemas.openxmlformats.org/drawingml/2006/main" xmlns:r="http://schemas.openxmlformats.org/officeDocument/2006/relationships" xmlns:p="http://schemas.openxmlformats.org/presentationml/2006/main">
+  <p:cSld>
+    <p:spTree>
+      <p:nvGrpSpPr>
+        <p:cNvPr id="1" name=""/>
+        <p:cNvGrpSpPr/>
+        <p:nvPr/>
+      </p:nvGrpSpPr>
+      <p:grpSpPr>
+        <a:xfrm>
+          <a:off x="0" y="0"/>
+          <a:ext cx="0" cy="0"/>
+          <a:chOff x="0" y="0"/>
+          <a:chExt cx="0" cy="0"/>
+        </a:xfrm>
+      </p:grpSpPr>
+      <p:sp>
+        <p:nvSpPr>
+          <p:cNvPr id="2" name="Title 1">
+            <a:extLst>
+              <a:ext uri="{FF2B5EF4-FFF2-40B4-BE49-F238E27FC236}">
+                <a16:creationId xmlns:a16="http://schemas.microsoft.com/office/drawing/2014/main" id="{E72261EF-1183-C54B-8E79-C9CDF723510B}"/>
+              </a:ext>
+            </a:extLst>
+          </p:cNvPr>
+          <p:cNvSpPr>
+            <a:spLocks noGrp="1"/>
+          </p:cNvSpPr>
+          <p:nvPr>
+            <p:ph type="title"/>
+          </p:nvPr>
+        </p:nvSpPr>
+        <p:spPr/>
+        <p:txBody>
+          <a:bodyPr/>
+          <a:lstStyle/>
+          <a:p>
+            <a:r>
+              <a:rPr lang="en-US" dirty="0"/>
+              <a:t>Tutorial Part 1</a:t>
+            </a:r>
+          </a:p>
+        </p:txBody>
+      </p:sp>
+      <p:sp>
+        <p:nvSpPr>
+          <p:cNvPr id="3" name="Content Placeholder 2">
+            <a:extLst>
+              <a:ext uri="{FF2B5EF4-FFF2-40B4-BE49-F238E27FC236}">
+                <a16:creationId xmlns:a16="http://schemas.microsoft.com/office/drawing/2014/main" id="{A4153D27-75CF-5DE1-2134-E83A03278CFB}"/>
+              </a:ext>
+            </a:extLst>
+          </p:cNvPr>
+          <p:cNvSpPr>
+            <a:spLocks noGrp="1"/>
+          </p:cNvSpPr>
+          <p:nvPr>
+            <p:ph idx="1"/>
+          </p:nvPr>
+        </p:nvSpPr>
+        <p:spPr/>
+        <p:txBody>
+          <a:bodyPr/>
+          <a:lstStyle/>
+          <a:p>
+            <a:r>
+              <a:rPr lang="en-US" dirty="0"/>
+              <a:t>If you don’t have a </a:t>
+            </a:r>
+            <a:r>
+              <a:rPr lang="en-US" dirty="0" err="1"/>
+              <a:t>Github</a:t>
+            </a:r>
+            <a:r>
+              <a:rPr lang="en-US" dirty="0"/>
+              <a:t> account, create one</a:t>
+            </a:r>
+          </a:p>
+          <a:p>
+            <a:r>
+              <a:rPr lang="en-US" dirty="0"/>
+              <a:t>Go to the </a:t>
+            </a:r>
+            <a:r>
+              <a:rPr lang="en-US" dirty="0" err="1"/>
+              <a:t>Github</a:t>
+            </a:r>
+            <a:r>
+              <a:rPr lang="en-US" dirty="0"/>
+              <a:t> repository </a:t>
+            </a:r>
+            <a:r>
+              <a:rPr lang="en-US" dirty="0">
+                <a:hlinkClick r:id="rId2"/>
+              </a:rPr>
+              <a:t>https://github.com/BIG-UVA/rivanna_slurm_git_tutorial</a:t>
+            </a:r>
+            <a:endParaRPr lang="en-US" dirty="0"/>
+          </a:p>
+          <a:p>
+            <a:r>
+              <a:rPr lang="en-US" dirty="0"/>
+              <a:t>Fork the repository into your personal repositories</a:t>
+            </a:r>
+          </a:p>
+          <a:p>
+            <a:r>
+              <a:rPr lang="en-US" dirty="0"/>
+              <a:t>Start a new project in </a:t>
+            </a:r>
+            <a:r>
+              <a:rPr lang="en-US" dirty="0" err="1"/>
+              <a:t>Rstudio</a:t>
+            </a:r>
+            <a:r>
+              <a:rPr lang="en-US" dirty="0"/>
+              <a:t>, pointing towards your forked repository</a:t>
+            </a:r>
+          </a:p>
+        </p:txBody>
+      </p:sp>
+    </p:spTree>
+    <p:extLst>
+      <p:ext uri="{BB962C8B-B14F-4D97-AF65-F5344CB8AC3E}">
+        <p14:creationId xmlns:p14="http://schemas.microsoft.com/office/powerpoint/2010/main" val="1453594241"/>
+      </p:ext>
+    </p:extLst>
+  </p:cSld>
+  <p:clrMapOvr>
+    <a:masterClrMapping/>
+  </p:clrMapOvr>
 </p:sld>
 </file>
 
